--- a/広島校高松校合同チーム/文書関連/デザイン仕様書(追加).pptx
+++ b/広島校高松校合同チーム/文書関連/デザイン仕様書(追加).pptx
@@ -9,6 +9,7 @@
     <p:sldId id="271" r:id="rId3"/>
     <p:sldId id="272" r:id="rId4"/>
     <p:sldId id="273" r:id="rId5"/>
+    <p:sldId id="274" r:id="rId6"/>
   </p:sldIdLst>
   <p:sldSz cx="12192000" cy="6858000"/>
   <p:notesSz cx="6858000" cy="9144000"/>
@@ -284,7 +285,7 @@
           <a:p>
             <a:fld id="{D3B4FBD8-74BC-47AA-AD74-3A9F68317C56}" type="datetimeFigureOut">
               <a:rPr kumimoji="1" lang="ja-JP" altLang="en-US" smtClean="0"/>
-              <a:t>2019/3/7</a:t>
+              <a:t>2019/3/8</a:t>
             </a:fld>
             <a:endParaRPr kumimoji="1" lang="ja-JP" altLang="en-US"/>
           </a:p>
@@ -646,7 +647,7 @@
           <a:p>
             <a:fld id="{D3B4FBD8-74BC-47AA-AD74-3A9F68317C56}" type="datetimeFigureOut">
               <a:rPr kumimoji="1" lang="ja-JP" altLang="en-US" smtClean="0"/>
-              <a:t>2019/3/7</a:t>
+              <a:t>2019/3/8</a:t>
             </a:fld>
             <a:endParaRPr kumimoji="1" lang="ja-JP" altLang="en-US"/>
           </a:p>
@@ -858,7 +859,7 @@
           <a:p>
             <a:fld id="{D3B4FBD8-74BC-47AA-AD74-3A9F68317C56}" type="datetimeFigureOut">
               <a:rPr kumimoji="1" lang="ja-JP" altLang="en-US" smtClean="0"/>
-              <a:t>2019/3/7</a:t>
+              <a:t>2019/3/8</a:t>
             </a:fld>
             <a:endParaRPr kumimoji="1" lang="ja-JP" altLang="en-US"/>
           </a:p>
@@ -1060,7 +1061,7 @@
           <a:p>
             <a:fld id="{D3B4FBD8-74BC-47AA-AD74-3A9F68317C56}" type="datetimeFigureOut">
               <a:rPr kumimoji="1" lang="ja-JP" altLang="en-US" smtClean="0"/>
-              <a:t>2019/3/7</a:t>
+              <a:t>2019/3/8</a:t>
             </a:fld>
             <a:endParaRPr kumimoji="1" lang="ja-JP" altLang="en-US"/>
           </a:p>
@@ -1337,7 +1338,7 @@
           <a:p>
             <a:fld id="{D3B4FBD8-74BC-47AA-AD74-3A9F68317C56}" type="datetimeFigureOut">
               <a:rPr kumimoji="1" lang="ja-JP" altLang="en-US" smtClean="0"/>
-              <a:t>2019/3/7</a:t>
+              <a:t>2019/3/8</a:t>
             </a:fld>
             <a:endParaRPr kumimoji="1" lang="ja-JP" altLang="en-US"/>
           </a:p>
@@ -1795,7 +1796,7 @@
           <a:p>
             <a:fld id="{D3B4FBD8-74BC-47AA-AD74-3A9F68317C56}" type="datetimeFigureOut">
               <a:rPr kumimoji="1" lang="ja-JP" altLang="en-US" smtClean="0"/>
-              <a:t>2019/3/7</a:t>
+              <a:t>2019/3/8</a:t>
             </a:fld>
             <a:endParaRPr kumimoji="1" lang="ja-JP" altLang="en-US"/>
           </a:p>
@@ -2336,7 +2337,7 @@
           <a:p>
             <a:fld id="{D3B4FBD8-74BC-47AA-AD74-3A9F68317C56}" type="datetimeFigureOut">
               <a:rPr kumimoji="1" lang="ja-JP" altLang="en-US" smtClean="0"/>
-              <a:t>2019/3/7</a:t>
+              <a:t>2019/3/8</a:t>
             </a:fld>
             <a:endParaRPr kumimoji="1" lang="ja-JP" altLang="en-US"/>
           </a:p>
@@ -2454,7 +2455,7 @@
           <a:p>
             <a:fld id="{D3B4FBD8-74BC-47AA-AD74-3A9F68317C56}" type="datetimeFigureOut">
               <a:rPr kumimoji="1" lang="ja-JP" altLang="en-US" smtClean="0"/>
-              <a:t>2019/3/7</a:t>
+              <a:t>2019/3/8</a:t>
             </a:fld>
             <a:endParaRPr kumimoji="1" lang="ja-JP" altLang="en-US"/>
           </a:p>
@@ -2549,7 +2550,7 @@
           <a:p>
             <a:fld id="{D3B4FBD8-74BC-47AA-AD74-3A9F68317C56}" type="datetimeFigureOut">
               <a:rPr kumimoji="1" lang="ja-JP" altLang="en-US" smtClean="0"/>
-              <a:t>2019/3/7</a:t>
+              <a:t>2019/3/8</a:t>
             </a:fld>
             <a:endParaRPr kumimoji="1" lang="ja-JP" altLang="en-US"/>
           </a:p>
@@ -2927,7 +2928,7 @@
           <a:p>
             <a:fld id="{D3B4FBD8-74BC-47AA-AD74-3A9F68317C56}" type="datetimeFigureOut">
               <a:rPr kumimoji="1" lang="ja-JP" altLang="en-US" smtClean="0"/>
-              <a:t>2019/3/7</a:t>
+              <a:t>2019/3/8</a:t>
             </a:fld>
             <a:endParaRPr kumimoji="1" lang="ja-JP" altLang="en-US"/>
           </a:p>
@@ -3315,7 +3316,7 @@
           <a:p>
             <a:fld id="{D3B4FBD8-74BC-47AA-AD74-3A9F68317C56}" type="datetimeFigureOut">
               <a:rPr kumimoji="1" lang="ja-JP" altLang="en-US" smtClean="0"/>
-              <a:t>2019/3/7</a:t>
+              <a:t>2019/3/8</a:t>
             </a:fld>
             <a:endParaRPr kumimoji="1" lang="ja-JP" altLang="en-US"/>
           </a:p>
@@ -3625,7 +3626,7 @@
           <a:p>
             <a:fld id="{D3B4FBD8-74BC-47AA-AD74-3A9F68317C56}" type="datetimeFigureOut">
               <a:rPr kumimoji="1" lang="ja-JP" altLang="en-US" smtClean="0"/>
-              <a:t>2019/3/7</a:t>
+              <a:t>2019/3/8</a:t>
             </a:fld>
             <a:endParaRPr kumimoji="1" lang="ja-JP" altLang="en-US"/>
           </a:p>
@@ -4652,6 +4653,145 @@
 </p:sld>
 </file>
 
+<file path=ppt/slides/slide5.xml><?xml version="1.0" encoding="utf-8"?>
+<p:sld xmlns:a="http://schemas.openxmlformats.org/drawingml/2006/main" xmlns:r="http://schemas.openxmlformats.org/officeDocument/2006/relationships" xmlns:p="http://schemas.openxmlformats.org/presentationml/2006/main">
+  <p:cSld>
+    <p:spTree>
+      <p:nvGrpSpPr>
+        <p:cNvPr id="1" name=""/>
+        <p:cNvGrpSpPr/>
+        <p:nvPr/>
+      </p:nvGrpSpPr>
+      <p:grpSpPr>
+        <a:xfrm>
+          <a:off x="0" y="0"/>
+          <a:ext cx="0" cy="0"/>
+          <a:chOff x="0" y="0"/>
+          <a:chExt cx="0" cy="0"/>
+        </a:xfrm>
+      </p:grpSpPr>
+      <p:sp>
+        <p:nvSpPr>
+          <p:cNvPr id="2" name="タイトル 1"/>
+          <p:cNvSpPr>
+            <a:spLocks noGrp="1"/>
+          </p:cNvSpPr>
+          <p:nvPr>
+            <p:ph type="title"/>
+          </p:nvPr>
+        </p:nvSpPr>
+        <p:spPr/>
+        <p:txBody>
+          <a:bodyPr>
+            <a:normAutofit/>
+          </a:bodyPr>
+          <a:lstStyle/>
+          <a:p>
+            <a:r>
+              <a:rPr kumimoji="1" lang="ja-JP" altLang="en-US" dirty="0" smtClean="0"/>
+              <a:t>武器アイコンの画像</a:t>
+            </a:r>
+            <a:r>
+              <a:rPr kumimoji="1" lang="en-US" altLang="ja-JP" dirty="0" smtClean="0"/>
+              <a:t/>
+            </a:r>
+            <a:br>
+              <a:rPr kumimoji="1" lang="en-US" altLang="ja-JP" dirty="0" smtClean="0"/>
+            </a:br>
+            <a:r>
+              <a:rPr kumimoji="1" lang="en-US" altLang="ja-JP" sz="2800" dirty="0" smtClean="0"/>
+              <a:t>(</a:t>
+            </a:r>
+            <a:r>
+              <a:rPr lang="ja-JP" altLang="en-US" sz="2800" dirty="0" smtClean="0"/>
+              <a:t>キャラクターから独立して使用します</a:t>
+            </a:r>
+            <a:r>
+              <a:rPr lang="en-US" altLang="ja-JP" sz="2800" dirty="0" smtClean="0"/>
+              <a:t>)</a:t>
+            </a:r>
+            <a:endParaRPr kumimoji="1" lang="ja-JP" altLang="en-US" sz="2800" dirty="0"/>
+          </a:p>
+        </p:txBody>
+      </p:sp>
+      <p:sp>
+        <p:nvSpPr>
+          <p:cNvPr id="3" name="コンテンツ プレースホルダー 2"/>
+          <p:cNvSpPr>
+            <a:spLocks noGrp="1"/>
+          </p:cNvSpPr>
+          <p:nvPr>
+            <p:ph idx="1"/>
+          </p:nvPr>
+        </p:nvSpPr>
+        <p:spPr/>
+        <p:txBody>
+          <a:bodyPr/>
+          <a:lstStyle/>
+          <a:p>
+            <a:r>
+              <a:rPr lang="ja-JP" altLang="en-US" dirty="0" smtClean="0"/>
+              <a:t>この武器アイコンの画像を、</a:t>
+            </a:r>
+            <a:r>
+              <a:rPr lang="en-US" altLang="ja-JP" dirty="0" smtClean="0"/>
+              <a:t>UI</a:t>
+            </a:r>
+            <a:r>
+              <a:rPr lang="ja-JP" altLang="en-US" dirty="0" smtClean="0"/>
+              <a:t>のサブ武器アイコンとエネミーを倒した時にドロップさせる画像として</a:t>
+            </a:r>
+            <a:r>
+              <a:rPr lang="ja-JP" altLang="en-US" dirty="0"/>
+              <a:t>二</a:t>
+            </a:r>
+            <a:r>
+              <a:rPr lang="ja-JP" altLang="en-US" dirty="0" smtClean="0"/>
+              <a:t>通りで使用します</a:t>
+            </a:r>
+            <a:endParaRPr lang="en-US" altLang="ja-JP" dirty="0" smtClean="0"/>
+          </a:p>
+          <a:p>
+            <a:r>
+              <a:rPr lang="ja-JP" altLang="en-US" dirty="0" smtClean="0"/>
+              <a:t>サイズは</a:t>
+            </a:r>
+            <a:r>
+              <a:rPr lang="en-US" altLang="ja-JP" dirty="0" smtClean="0"/>
+              <a:t>200×200</a:t>
+            </a:r>
+            <a:r>
+              <a:rPr lang="ja-JP" altLang="en-US" dirty="0" smtClean="0"/>
+              <a:t>ピクセル</a:t>
+            </a:r>
+            <a:endParaRPr lang="en-US" altLang="ja-JP" dirty="0" smtClean="0"/>
+          </a:p>
+          <a:p>
+            <a:r>
+              <a:rPr lang="ja-JP" altLang="en-US"/>
+              <a:t>背景</a:t>
+            </a:r>
+            <a:r>
+              <a:rPr lang="ja-JP" altLang="en-US" smtClean="0"/>
+              <a:t>は透明で透過させてください</a:t>
+            </a:r>
+            <a:endParaRPr lang="en-US" altLang="ja-JP" dirty="0" smtClean="0"/>
+          </a:p>
+        </p:txBody>
+      </p:sp>
+    </p:spTree>
+    <p:extLst>
+      <p:ext uri="{BB962C8B-B14F-4D97-AF65-F5344CB8AC3E}">
+        <p14:creationId xmlns:p14="http://schemas.microsoft.com/office/powerpoint/2010/main" val="3213277623"/>
+      </p:ext>
+    </p:extLst>
+  </p:cSld>
+  <p:clrMapOvr>
+    <a:masterClrMapping/>
+  </p:clrMapOvr>
+</p:sld>
+</file>
+
 <file path=ppt/theme/theme1.xml><?xml version="1.0" encoding="utf-8"?>
 <a:theme xmlns:a="http://schemas.openxmlformats.org/drawingml/2006/main" name="Crop">
   <a:themeElements>
